--- a/Lectures/01 课程简介.pptx
+++ b/Lectures/01 课程简介.pptx
@@ -2002,7 +2002,7 @@
                 <a:buNone/>
                 <a:defRPr/>
               </a:pPr>
-              <a:t>2018/8/1</a:t>
+              <a:t>2018/9/2 Sunday</a:t>
             </a:fld>
             <a:endParaRPr lang="en-US" altLang="zh-CN" dirty="0"/>
           </a:p>
@@ -2332,7 +2332,7 @@
                 <a:buNone/>
                 <a:defRPr/>
               </a:pPr>
-              <a:t>2018/8/1</a:t>
+              <a:t>2018/9/2 Sunday</a:t>
             </a:fld>
             <a:endParaRPr lang="en-US" altLang="zh-CN" dirty="0"/>
           </a:p>
@@ -2606,7 +2606,7 @@
                 <a:buNone/>
                 <a:defRPr/>
               </a:pPr>
-              <a:t>2018/8/1</a:t>
+              <a:t>2018/9/2 Sunday</a:t>
             </a:fld>
             <a:endParaRPr lang="en-US" altLang="zh-CN" dirty="0"/>
           </a:p>
@@ -3215,7 +3215,7 @@
               <a:pPr>
                 <a:defRPr/>
               </a:pPr>
-              <a:t>2018/8/1</a:t>
+              <a:t>2018/9/2 Sunday</a:t>
             </a:fld>
             <a:endParaRPr lang="zh-CN" altLang="en-US"/>
           </a:p>
@@ -3939,7 +3939,7 @@
               <a:pPr>
                 <a:defRPr/>
               </a:pPr>
-              <a:t>2018/8/1</a:t>
+              <a:t>2018/9/2 Sunday</a:t>
             </a:fld>
             <a:endParaRPr lang="en-US" altLang="zh-CN" dirty="0"/>
           </a:p>
@@ -4355,7 +4355,7 @@
               <a:pPr>
                 <a:defRPr/>
               </a:pPr>
-              <a:t>2018/8/1</a:t>
+              <a:t>2018/9/2 Sunday</a:t>
             </a:fld>
             <a:endParaRPr lang="en-US" altLang="zh-CN" dirty="0"/>
           </a:p>
@@ -4771,7 +4771,7 @@
               <a:pPr>
                 <a:defRPr/>
               </a:pPr>
-              <a:t>2018/8/1</a:t>
+              <a:t>2018/9/2 Sunday</a:t>
             </a:fld>
             <a:endParaRPr lang="en-US" altLang="zh-CN" dirty="0"/>
           </a:p>
@@ -5270,7 +5270,7 @@
             <a:fld id="{676A6CC9-7E25-4CA4-8BD1-8E218075AACA}" type="datetime1">
               <a:rPr lang="zh-CN" altLang="en-US" smtClean="0"/>
               <a:pPr/>
-              <a:t>2018/8/1</a:t>
+              <a:t>2018/9/2 Sunday</a:t>
             </a:fld>
             <a:endParaRPr lang="en-US"/>
           </a:p>
@@ -5836,7 +5836,7 @@
             <a:fld id="{E4625D28-3E65-45F8-B554-203226C392CA}" type="datetime1">
               <a:rPr lang="zh-CN" altLang="en-US" smtClean="0"/>
               <a:pPr/>
-              <a:t>2018/8/1</a:t>
+              <a:t>2018/9/2 Sunday</a:t>
             </a:fld>
             <a:endParaRPr lang="en-US" altLang="zh-CN"/>
           </a:p>
@@ -6387,7 +6387,7 @@
               <a:pPr>
                 <a:defRPr/>
               </a:pPr>
-              <a:t>2018/8/1</a:t>
+              <a:t>2018/9/2 Sunday</a:t>
             </a:fld>
             <a:endParaRPr lang="en-US" altLang="zh-CN" dirty="0"/>
           </a:p>
@@ -6859,7 +6859,7 @@
               <a:pPr>
                 <a:defRPr/>
               </a:pPr>
-              <a:t>2018/8/1</a:t>
+              <a:t>2018/9/2 Sunday</a:t>
             </a:fld>
             <a:endParaRPr lang="en-US" altLang="zh-CN" dirty="0"/>
           </a:p>
@@ -7336,7 +7336,7 @@
               <a:pPr>
                 <a:defRPr/>
               </a:pPr>
-              <a:t>2018/8/1</a:t>
+              <a:t>2018/9/2 Sunday</a:t>
             </a:fld>
             <a:endParaRPr lang="en-US" altLang="zh-CN" dirty="0"/>
           </a:p>
@@ -7930,7 +7930,7 @@
                 <a:buNone/>
                 <a:defRPr/>
               </a:pPr>
-              <a:t>2018/8/1</a:t>
+              <a:t>2018/9/2 Sunday</a:t>
             </a:fld>
             <a:endParaRPr lang="en-US" altLang="zh-CN" dirty="0"/>
           </a:p>
@@ -8209,7 +8209,7 @@
                 <a:buNone/>
                 <a:defRPr/>
               </a:pPr>
-              <a:t>2018/8/1</a:t>
+              <a:t>2018/9/2 Sunday</a:t>
             </a:fld>
             <a:endParaRPr lang="en-US" altLang="zh-CN" dirty="0"/>
           </a:p>
@@ -8602,7 +8602,7 @@
                 <a:buNone/>
                 <a:defRPr/>
               </a:pPr>
-              <a:t>2018/8/1</a:t>
+              <a:t>2018/9/2 Sunday</a:t>
             </a:fld>
             <a:endParaRPr lang="en-US" altLang="zh-CN" dirty="0"/>
           </a:p>
@@ -8796,7 +8796,7 @@
                 <a:buNone/>
                 <a:defRPr/>
               </a:pPr>
-              <a:t>2018/8/1</a:t>
+              <a:t>2018/9/2 Sunday</a:t>
             </a:fld>
             <a:endParaRPr lang="en-US" altLang="zh-CN" dirty="0"/>
           </a:p>
@@ -8950,7 +8950,7 @@
                 <a:buNone/>
                 <a:defRPr/>
               </a:pPr>
-              <a:t>2018/8/1</a:t>
+              <a:t>2018/9/2 Sunday</a:t>
             </a:fld>
             <a:endParaRPr lang="en-US" altLang="zh-CN" dirty="0"/>
           </a:p>
@@ -9232,7 +9232,6 @@
               <a:rPr lang="zh-CN" altLang="en-US" noProof="0" smtClean="0"/>
               <a:t>单击图标添加表格</a:t>
             </a:r>
-            <a:endParaRPr lang="zh-CN" altLang="en-US" noProof="0" smtClean="0"/>
           </a:p>
         </p:txBody>
       </p:sp>
@@ -9269,7 +9268,7 @@
                 <a:buNone/>
                 <a:defRPr/>
               </a:pPr>
-              <a:t>2018/8/1</a:t>
+              <a:t>2018/9/2 Sunday</a:t>
             </a:fld>
             <a:endParaRPr lang="en-US" altLang="zh-CN" dirty="0"/>
           </a:p>
@@ -9431,7 +9430,7 @@
                 <a:buNone/>
                 <a:defRPr/>
               </a:pPr>
-              <a:t>2018/8/1</a:t>
+              <a:t>2018/9/2 Sunday</a:t>
             </a:fld>
             <a:endParaRPr lang="en-US" altLang="zh-CN" dirty="0"/>
           </a:p>
@@ -9626,7 +9625,7 @@
               <a:pPr>
                 <a:defRPr/>
               </a:pPr>
-              <a:t>2018/8/1</a:t>
+              <a:t>2018/9/2 Sunday</a:t>
             </a:fld>
             <a:endParaRPr lang="en-US" altLang="zh-CN" dirty="0"/>
           </a:p>
@@ -11585,7 +11584,6 @@
               <a:rPr lang="zh-CN" altLang="en-US" noProof="0" smtClean="0"/>
               <a:t>单击图标添加图片</a:t>
             </a:r>
-            <a:endParaRPr lang="zh-CN" altLang="en-US" noProof="0" smtClean="0"/>
           </a:p>
         </p:txBody>
       </p:sp>
@@ -11966,7 +11964,6 @@
               <a:rPr lang="zh-CN" altLang="en-US" noProof="0" smtClean="0"/>
               <a:t>单击图标添加表格</a:t>
             </a:r>
-            <a:endParaRPr lang="zh-CN" altLang="en-US" noProof="0" smtClean="0"/>
           </a:p>
         </p:txBody>
       </p:sp>
@@ -14449,7 +14446,7 @@
               <a:pPr>
                 <a:defRPr/>
               </a:pPr>
-              <a:t>2018/8/1</a:t>
+              <a:t>2018/9/2 Sunday</a:t>
             </a:fld>
             <a:endParaRPr lang="en-US" altLang="zh-CN" dirty="0">
               <a:solidFill>
@@ -18178,7 +18175,6 @@
               <a:rPr lang="zh-CN" altLang="en-US" noProof="0" smtClean="0"/>
               <a:t>单击图标添加表格</a:t>
             </a:r>
-            <a:endParaRPr lang="zh-CN" altLang="en-US" noProof="0" smtClean="0"/>
           </a:p>
         </p:txBody>
       </p:sp>
@@ -18371,7 +18367,7 @@
               <a:pPr>
                 <a:defRPr/>
               </a:pPr>
-              <a:t>2018/8/1</a:t>
+              <a:t>2018/9/2 Sunday</a:t>
             </a:fld>
             <a:endParaRPr lang="en-US" altLang="zh-CN" dirty="0">
               <a:solidFill>
@@ -20021,7 +20017,6 @@
               <a:rPr lang="zh-CN" altLang="en-US" noProof="0" smtClean="0"/>
               <a:t>单击图标添加图片</a:t>
             </a:r>
-            <a:endParaRPr lang="zh-CN" altLang="en-US" noProof="0" smtClean="0"/>
           </a:p>
         </p:txBody>
       </p:sp>
@@ -20402,7 +20397,6 @@
               <a:rPr lang="zh-CN" altLang="en-US" noProof="0" smtClean="0"/>
               <a:t>单击图标添加表格</a:t>
             </a:r>
-            <a:endParaRPr lang="zh-CN" altLang="en-US" noProof="0" smtClean="0"/>
           </a:p>
         </p:txBody>
       </p:sp>
@@ -21815,7 +21809,7 @@
                 <a:buNone/>
                 <a:defRPr/>
               </a:pPr>
-              <a:t>2018/8/1</a:t>
+              <a:t>2018/9/2 Sunday</a:t>
             </a:fld>
             <a:endParaRPr lang="en-US" altLang="zh-CN" dirty="0"/>
           </a:p>
@@ -25723,8 +25717,8 @@
         </p:nvSpPr>
         <p:spPr bwMode="auto">
           <a:xfrm>
-            <a:off x="2401525" y="1217613"/>
-            <a:ext cx="5598007" cy="523220"/>
+            <a:off x="1701728" y="872380"/>
+            <a:ext cx="5779146" cy="523220"/>
           </a:xfrm>
           <a:prstGeom prst="rect">
             <a:avLst/>
@@ -25982,7 +25976,7 @@
                 <a:latin typeface="黑体" panose="02010609060101010101" pitchFamily="49" charset="-122"/>
                 <a:ea typeface="黑体" panose="02010609060101010101" pitchFamily="49" charset="-122"/>
               </a:rPr>
-              <a:t>2018</a:t>
+              <a:t>2018 </a:t>
             </a:r>
             <a:r>
               <a:rPr lang="zh-CN" altLang="en-US" sz="2800" b="1" dirty="0" smtClean="0">
@@ -26109,24 +26103,13 @@
         </p:nvSpPr>
         <p:spPr>
           <a:xfrm>
-            <a:off x="457200" y="1680888"/>
+            <a:off x="457200" y="1802186"/>
             <a:ext cx="8229600" cy="4447674"/>
           </a:xfrm>
         </p:spPr>
         <p:txBody>
           <a:bodyPr/>
           <a:lstStyle/>
-          <a:p>
-            <a:r>
-              <a:rPr lang="en-US" altLang="zh-CN" dirty="0" smtClean="0"/>
-              <a:t>R </a:t>
-            </a:r>
-            <a:r>
-              <a:rPr lang="zh-CN" altLang="en-US" dirty="0"/>
-              <a:t>软件</a:t>
-            </a:r>
-            <a:endParaRPr lang="en-US" altLang="zh-CN" dirty="0" smtClean="0"/>
-          </a:p>
           <a:p>
             <a:r>
               <a:rPr lang="zh-CN" altLang="en-US" dirty="0" smtClean="0"/>
@@ -26141,7 +26124,7 @@
                 <a:latin typeface="黑体" pitchFamily="49" charset="-122"/>
                 <a:ea typeface="黑体" pitchFamily="49" charset="-122"/>
               </a:rPr>
-              <a:t>损失分布：损失次数、损失金额、累积损失</a:t>
+              <a:t>损失次数、损失金额、累积损失模型</a:t>
             </a:r>
             <a:endParaRPr lang="en-US" altLang="zh-CN" b="1" dirty="0" smtClean="0">
               <a:latin typeface="黑体" pitchFamily="49" charset="-122"/>
@@ -26197,8 +26180,23 @@
                 <a:latin typeface="黑体" pitchFamily="49" charset="-122"/>
                 <a:ea typeface="黑体" pitchFamily="49" charset="-122"/>
               </a:rPr>
-              <a:t>损失预测模型：索赔概率、索赔频率、索赔强度、纯保费</a:t>
-            </a:r>
+              <a:t>损失预测模型：广义线性模型</a:t>
+            </a:r>
+            <a:endParaRPr lang="en-US" altLang="zh-CN" b="1" dirty="0" smtClean="0">
+              <a:latin typeface="黑体" pitchFamily="49" charset="-122"/>
+              <a:ea typeface="黑体" pitchFamily="49" charset="-122"/>
+            </a:endParaRPr>
+          </a:p>
+          <a:p>
+            <a:pPr eaLnBrk="1" hangingPunct="1"/>
+            <a:r>
+              <a:rPr lang="zh-CN" altLang="en-US" dirty="0" smtClean="0"/>
+              <a:t>贝叶斯风险模型</a:t>
+            </a:r>
+            <a:endParaRPr lang="en-US" altLang="zh-CN" dirty="0" smtClean="0"/>
+          </a:p>
+          <a:p>
+            <a:pPr eaLnBrk="1" hangingPunct="1"/>
             <a:endParaRPr lang="en-US" altLang="zh-CN" b="1" dirty="0" smtClean="0">
               <a:latin typeface="黑体" pitchFamily="49" charset="-122"/>
               <a:ea typeface="黑体" pitchFamily="49" charset="-122"/>
@@ -27803,7 +27801,7 @@
         </p:nvSpPr>
         <p:spPr>
           <a:xfrm>
-            <a:off x="457199" y="1963554"/>
+            <a:off x="457200" y="1832925"/>
             <a:ext cx="8590547" cy="4103418"/>
           </a:xfrm>
         </p:spPr>
@@ -28030,7 +28028,7 @@
                 <a:latin typeface="黑体" panose="02010609060101010101" pitchFamily="49" charset="-122"/>
                 <a:ea typeface="黑体" panose="02010609060101010101" pitchFamily="49" charset="-122"/>
               </a:rPr>
-              <a:t>( 60% )</a:t>
+              <a:t>( 70% )</a:t>
             </a:r>
           </a:p>
           <a:p>
@@ -28049,7 +28047,7 @@
                 <a:latin typeface="黑体" panose="02010609060101010101" pitchFamily="49" charset="-122"/>
                 <a:ea typeface="黑体" panose="02010609060101010101" pitchFamily="49" charset="-122"/>
               </a:rPr>
-              <a:t>( 40% )</a:t>
+              <a:t>( 30% )</a:t>
             </a:r>
             <a:r>
               <a:rPr lang="zh-CN" altLang="en-US" dirty="0" smtClean="0">
@@ -28543,7 +28541,11 @@
             </a:pPr>
             <a:r>
               <a:rPr lang="zh-CN" altLang="en-US" kern="0" dirty="0" smtClean="0"/>
-              <a:t>办公时间</a:t>
+              <a:t>办公地点和时间</a:t>
+            </a:r>
+            <a:r>
+              <a:rPr lang="en-US" altLang="zh-CN" kern="0" dirty="0" smtClean="0"/>
+              <a:t>:</a:t>
             </a:r>
             <a:endParaRPr lang="zh-CN" altLang="en-US" kern="0" dirty="0"/>
           </a:p>
@@ -28716,7 +28718,7 @@
             <a:r>
               <a:rPr lang="zh-CN" altLang="en-US" kern="0" dirty="0" smtClean="0">
                 <a:solidFill>
-                  <a:srgbClr val="FF0000"/>
+                  <a:schemeClr val="tx1"/>
                 </a:solidFill>
               </a:rPr>
               <a:t>博学楼：</a:t>
@@ -28724,7 +28726,7 @@
             <a:r>
               <a:rPr lang="en-US" altLang="zh-CN" kern="0" dirty="0" smtClean="0">
                 <a:solidFill>
-                  <a:srgbClr val="FF0000"/>
+                  <a:schemeClr val="tx1"/>
                 </a:solidFill>
               </a:rPr>
               <a:t>1320</a:t>
@@ -28740,31 +28742,23 @@
             <a:r>
               <a:rPr lang="zh-CN" altLang="en-US" kern="0" dirty="0" smtClean="0">
                 <a:solidFill>
-                  <a:srgbClr val="FF0000"/>
+                  <a:schemeClr val="tx1"/>
                 </a:solidFill>
               </a:rPr>
-              <a:t>周四上午</a:t>
-            </a:r>
-            <a:r>
-              <a:rPr lang="en-US" altLang="zh-CN" kern="0" dirty="0">
+              <a:t>周二</a:t>
+            </a:r>
+            <a:r>
+              <a:rPr lang="en-US" altLang="zh-CN" kern="0" dirty="0" smtClean="0">
                 <a:solidFill>
-                  <a:srgbClr val="FF0000"/>
+                  <a:schemeClr val="tx1"/>
                 </a:solidFill>
               </a:rPr>
-              <a:t> </a:t>
-            </a:r>
-            <a:r>
-              <a:rPr lang="en-US" altLang="zh-CN" kern="0" dirty="0" smtClean="0">
-                <a:solidFill>
-                  <a:srgbClr val="FF0000"/>
-                </a:solidFill>
-              </a:rPr>
-              <a:t>9</a:t>
+              <a:t> 9</a:t>
             </a:r>
             <a:r>
               <a:rPr lang="zh-CN" altLang="en-US" kern="0" dirty="0" smtClean="0">
                 <a:solidFill>
-                  <a:srgbClr val="FF0000"/>
+                  <a:schemeClr val="tx1"/>
                 </a:solidFill>
               </a:rPr>
               <a:t>：</a:t>
@@ -28772,7 +28766,7 @@
             <a:r>
               <a:rPr lang="en-US" altLang="zh-CN" kern="0" dirty="0" smtClean="0">
                 <a:solidFill>
-                  <a:srgbClr val="FF0000"/>
+                  <a:schemeClr val="tx1"/>
                 </a:solidFill>
               </a:rPr>
               <a:t>00 – 12</a:t>
@@ -28780,7 +28774,7 @@
             <a:r>
               <a:rPr lang="zh-CN" altLang="en-US" kern="0" dirty="0" smtClean="0">
                 <a:solidFill>
-                  <a:srgbClr val="FF0000"/>
+                  <a:schemeClr val="tx1"/>
                 </a:solidFill>
               </a:rPr>
               <a:t>：</a:t>
@@ -28788,7 +28782,7 @@
             <a:r>
               <a:rPr lang="en-US" altLang="zh-CN" kern="0" dirty="0" smtClean="0">
                 <a:solidFill>
-                  <a:srgbClr val="FF0000"/>
+                  <a:schemeClr val="tx1"/>
                 </a:solidFill>
               </a:rPr>
               <a:t>00</a:t>
@@ -28804,30 +28798,22 @@
             <a:r>
               <a:rPr lang="zh-CN" altLang="en-US" kern="0" dirty="0" smtClean="0">
                 <a:solidFill>
-                  <a:srgbClr val="FF0000"/>
+                  <a:schemeClr val="tx1"/>
                 </a:solidFill>
               </a:rPr>
-              <a:t>下午</a:t>
-            </a:r>
-            <a:r>
-              <a:rPr lang="en-US" altLang="zh-CN" kern="0" dirty="0">
+              <a:t>周三</a:t>
+            </a:r>
+            <a:r>
+              <a:rPr lang="en-US" altLang="zh-CN" kern="0" dirty="0" smtClean="0">
                 <a:solidFill>
-                  <a:srgbClr val="FF0000"/>
+                  <a:schemeClr val="tx1"/>
                 </a:solidFill>
               </a:rPr>
-              <a:t> </a:t>
-            </a:r>
-            <a:r>
-              <a:rPr lang="en-US" altLang="zh-CN" kern="0" dirty="0" smtClean="0">
-                <a:solidFill>
-                  <a:srgbClr val="FF0000"/>
-                </a:solidFill>
-              </a:rPr>
-              <a:t>14:00 – 16:00</a:t>
+              <a:t> 9: 00 – 17:00</a:t>
             </a:r>
             <a:endParaRPr lang="zh-CN" altLang="en-US" kern="0" dirty="0">
               <a:solidFill>
-                <a:srgbClr val="FF0000"/>
+                <a:schemeClr val="tx1"/>
               </a:solidFill>
             </a:endParaRPr>
           </a:p>
@@ -28939,6 +28925,14 @@
               <a:rPr lang="en-US" altLang="zh-CN" dirty="0" err="1" smtClean="0"/>
               <a:t>amlss</a:t>
             </a:r>
+            <a:r>
+              <a:rPr lang="en-US" altLang="zh-CN" dirty="0" smtClean="0"/>
+              <a:t> (</a:t>
+            </a:r>
+            <a:r>
+              <a:rPr lang="zh-CN" altLang="en-US" dirty="0" smtClean="0"/>
+              <a:t>熟练掌握）</a:t>
+            </a:r>
             <a:endParaRPr lang="en-US" altLang="zh-CN" dirty="0" smtClean="0"/>
           </a:p>
           <a:p>
@@ -28946,6 +28940,10 @@
             <a:r>
               <a:rPr lang="en-US" altLang="zh-CN" dirty="0" err="1" smtClean="0"/>
               <a:t>data.table</a:t>
+            </a:r>
+            <a:r>
+              <a:rPr lang="zh-CN" altLang="en-US" dirty="0" smtClean="0"/>
+              <a:t>（熟练掌握）</a:t>
             </a:r>
             <a:endParaRPr lang="en-US" altLang="zh-CN" dirty="0" smtClean="0"/>
           </a:p>

--- a/Lectures/01 课程简介.pptx
+++ b/Lectures/01 课程简介.pptx
@@ -9,10 +9,10 @@
     <p:sldMasterId id="2147483807" r:id="rId5"/>
   </p:sldMasterIdLst>
   <p:notesMasterIdLst>
-    <p:notesMasterId r:id="rId16"/>
+    <p:notesMasterId r:id="rId17"/>
   </p:notesMasterIdLst>
   <p:handoutMasterIdLst>
-    <p:handoutMasterId r:id="rId17"/>
+    <p:handoutMasterId r:id="rId18"/>
   </p:handoutMasterIdLst>
   <p:sldIdLst>
     <p:sldId id="1321" r:id="rId6"/>
@@ -24,7 +24,8 @@
     <p:sldId id="1329" r:id="rId12"/>
     <p:sldId id="1331" r:id="rId13"/>
     <p:sldId id="1333" r:id="rId14"/>
-    <p:sldId id="1330" r:id="rId15"/>
+    <p:sldId id="1334" r:id="rId15"/>
+    <p:sldId id="1330" r:id="rId16"/>
   </p:sldIdLst>
   <p:sldSz cx="9144000" cy="6858000" type="screen4x3"/>
   <p:notesSz cx="6797675" cy="9874250"/>
@@ -2002,7 +2003,7 @@
                 <a:buNone/>
                 <a:defRPr/>
               </a:pPr>
-              <a:t>2018/9/2 Sunday</a:t>
+              <a:t>2018/9/4 Tuesday</a:t>
             </a:fld>
             <a:endParaRPr lang="en-US" altLang="zh-CN" dirty="0"/>
           </a:p>
@@ -2332,7 +2333,7 @@
                 <a:buNone/>
                 <a:defRPr/>
               </a:pPr>
-              <a:t>2018/9/2 Sunday</a:t>
+              <a:t>2018/9/4 Tuesday</a:t>
             </a:fld>
             <a:endParaRPr lang="en-US" altLang="zh-CN" dirty="0"/>
           </a:p>
@@ -2606,7 +2607,7 @@
                 <a:buNone/>
                 <a:defRPr/>
               </a:pPr>
-              <a:t>2018/9/2 Sunday</a:t>
+              <a:t>2018/9/4 Tuesday</a:t>
             </a:fld>
             <a:endParaRPr lang="en-US" altLang="zh-CN" dirty="0"/>
           </a:p>
@@ -3215,7 +3216,7 @@
               <a:pPr>
                 <a:defRPr/>
               </a:pPr>
-              <a:t>2018/9/2 Sunday</a:t>
+              <a:t>2018/9/4 Tuesday</a:t>
             </a:fld>
             <a:endParaRPr lang="zh-CN" altLang="en-US"/>
           </a:p>
@@ -3939,7 +3940,7 @@
               <a:pPr>
                 <a:defRPr/>
               </a:pPr>
-              <a:t>2018/9/2 Sunday</a:t>
+              <a:t>2018/9/4 Tuesday</a:t>
             </a:fld>
             <a:endParaRPr lang="en-US" altLang="zh-CN" dirty="0"/>
           </a:p>
@@ -4355,7 +4356,7 @@
               <a:pPr>
                 <a:defRPr/>
               </a:pPr>
-              <a:t>2018/9/2 Sunday</a:t>
+              <a:t>2018/9/4 Tuesday</a:t>
             </a:fld>
             <a:endParaRPr lang="en-US" altLang="zh-CN" dirty="0"/>
           </a:p>
@@ -4771,7 +4772,7 @@
               <a:pPr>
                 <a:defRPr/>
               </a:pPr>
-              <a:t>2018/9/2 Sunday</a:t>
+              <a:t>2018/9/4 Tuesday</a:t>
             </a:fld>
             <a:endParaRPr lang="en-US" altLang="zh-CN" dirty="0"/>
           </a:p>
@@ -5270,7 +5271,7 @@
             <a:fld id="{676A6CC9-7E25-4CA4-8BD1-8E218075AACA}" type="datetime1">
               <a:rPr lang="zh-CN" altLang="en-US" smtClean="0"/>
               <a:pPr/>
-              <a:t>2018/9/2 Sunday</a:t>
+              <a:t>2018/9/4 Tuesday</a:t>
             </a:fld>
             <a:endParaRPr lang="en-US"/>
           </a:p>
@@ -5836,7 +5837,7 @@
             <a:fld id="{E4625D28-3E65-45F8-B554-203226C392CA}" type="datetime1">
               <a:rPr lang="zh-CN" altLang="en-US" smtClean="0"/>
               <a:pPr/>
-              <a:t>2018/9/2 Sunday</a:t>
+              <a:t>2018/9/4 Tuesday</a:t>
             </a:fld>
             <a:endParaRPr lang="en-US" altLang="zh-CN"/>
           </a:p>
@@ -6387,7 +6388,7 @@
               <a:pPr>
                 <a:defRPr/>
               </a:pPr>
-              <a:t>2018/9/2 Sunday</a:t>
+              <a:t>2018/9/4 Tuesday</a:t>
             </a:fld>
             <a:endParaRPr lang="en-US" altLang="zh-CN" dirty="0"/>
           </a:p>
@@ -6859,7 +6860,7 @@
               <a:pPr>
                 <a:defRPr/>
               </a:pPr>
-              <a:t>2018/9/2 Sunday</a:t>
+              <a:t>2018/9/4 Tuesday</a:t>
             </a:fld>
             <a:endParaRPr lang="en-US" altLang="zh-CN" dirty="0"/>
           </a:p>
@@ -7336,7 +7337,7 @@
               <a:pPr>
                 <a:defRPr/>
               </a:pPr>
-              <a:t>2018/9/2 Sunday</a:t>
+              <a:t>2018/9/4 Tuesday</a:t>
             </a:fld>
             <a:endParaRPr lang="en-US" altLang="zh-CN" dirty="0"/>
           </a:p>
@@ -7930,7 +7931,7 @@
                 <a:buNone/>
                 <a:defRPr/>
               </a:pPr>
-              <a:t>2018/9/2 Sunday</a:t>
+              <a:t>2018/9/4 Tuesday</a:t>
             </a:fld>
             <a:endParaRPr lang="en-US" altLang="zh-CN" dirty="0"/>
           </a:p>
@@ -8209,7 +8210,7 @@
                 <a:buNone/>
                 <a:defRPr/>
               </a:pPr>
-              <a:t>2018/9/2 Sunday</a:t>
+              <a:t>2018/9/4 Tuesday</a:t>
             </a:fld>
             <a:endParaRPr lang="en-US" altLang="zh-CN" dirty="0"/>
           </a:p>
@@ -8602,7 +8603,7 @@
                 <a:buNone/>
                 <a:defRPr/>
               </a:pPr>
-              <a:t>2018/9/2 Sunday</a:t>
+              <a:t>2018/9/4 Tuesday</a:t>
             </a:fld>
             <a:endParaRPr lang="en-US" altLang="zh-CN" dirty="0"/>
           </a:p>
@@ -8796,7 +8797,7 @@
                 <a:buNone/>
                 <a:defRPr/>
               </a:pPr>
-              <a:t>2018/9/2 Sunday</a:t>
+              <a:t>2018/9/4 Tuesday</a:t>
             </a:fld>
             <a:endParaRPr lang="en-US" altLang="zh-CN" dirty="0"/>
           </a:p>
@@ -8950,7 +8951,7 @@
                 <a:buNone/>
                 <a:defRPr/>
               </a:pPr>
-              <a:t>2018/9/2 Sunday</a:t>
+              <a:t>2018/9/4 Tuesday</a:t>
             </a:fld>
             <a:endParaRPr lang="en-US" altLang="zh-CN" dirty="0"/>
           </a:p>
@@ -9268,7 +9269,7 @@
                 <a:buNone/>
                 <a:defRPr/>
               </a:pPr>
-              <a:t>2018/9/2 Sunday</a:t>
+              <a:t>2018/9/4 Tuesday</a:t>
             </a:fld>
             <a:endParaRPr lang="en-US" altLang="zh-CN" dirty="0"/>
           </a:p>
@@ -9430,7 +9431,7 @@
                 <a:buNone/>
                 <a:defRPr/>
               </a:pPr>
-              <a:t>2018/9/2 Sunday</a:t>
+              <a:t>2018/9/4 Tuesday</a:t>
             </a:fld>
             <a:endParaRPr lang="en-US" altLang="zh-CN" dirty="0"/>
           </a:p>
@@ -9625,7 +9626,7 @@
               <a:pPr>
                 <a:defRPr/>
               </a:pPr>
-              <a:t>2018/9/2 Sunday</a:t>
+              <a:t>2018/9/4 Tuesday</a:t>
             </a:fld>
             <a:endParaRPr lang="en-US" altLang="zh-CN" dirty="0"/>
           </a:p>
@@ -14446,7 +14447,7 @@
               <a:pPr>
                 <a:defRPr/>
               </a:pPr>
-              <a:t>2018/9/2 Sunday</a:t>
+              <a:t>2018/9/4 Tuesday</a:t>
             </a:fld>
             <a:endParaRPr lang="en-US" altLang="zh-CN" dirty="0">
               <a:solidFill>
@@ -18367,7 +18368,7 @@
               <a:pPr>
                 <a:defRPr/>
               </a:pPr>
-              <a:t>2018/9/2 Sunday</a:t>
+              <a:t>2018/9/4 Tuesday</a:t>
             </a:fld>
             <a:endParaRPr lang="en-US" altLang="zh-CN" dirty="0">
               <a:solidFill>
@@ -21809,7 +21810,7 @@
                 <a:buNone/>
                 <a:defRPr/>
               </a:pPr>
-              <a:t>2018/9/2 Sunday</a:t>
+              <a:t>2018/9/4 Tuesday</a:t>
             </a:fld>
             <a:endParaRPr lang="en-US" altLang="zh-CN" dirty="0"/>
           </a:p>
@@ -25709,6 +25710,362 @@
       </p:grpSpPr>
       <p:sp>
         <p:nvSpPr>
+          <p:cNvPr id="3" name="内容占位符 2"/>
+          <p:cNvSpPr>
+            <a:spLocks noGrp="1"/>
+          </p:cNvSpPr>
+          <p:nvPr>
+            <p:ph idx="1"/>
+          </p:nvPr>
+        </p:nvSpPr>
+        <p:spPr>
+          <a:xfrm>
+            <a:off x="438539" y="849429"/>
+            <a:ext cx="8229600" cy="4382717"/>
+          </a:xfrm>
+        </p:spPr>
+        <p:txBody>
+          <a:bodyPr/>
+          <a:lstStyle/>
+          <a:p>
+            <a:pPr lvl="1"/>
+            <a:endParaRPr lang="en-US" altLang="zh-CN" dirty="0" smtClean="0"/>
+          </a:p>
+          <a:p>
+            <a:pPr lvl="1"/>
+            <a:endParaRPr lang="en-US" altLang="zh-CN" dirty="0" smtClean="0"/>
+          </a:p>
+          <a:p>
+            <a:pPr lvl="1"/>
+            <a:r>
+              <a:rPr lang="en-US" altLang="zh-CN" dirty="0" smtClean="0"/>
+              <a:t>Endnote (</a:t>
+            </a:r>
+            <a:r>
+              <a:rPr lang="zh-CN" altLang="en-US" dirty="0" smtClean="0"/>
+              <a:t>文献管理软件）</a:t>
+            </a:r>
+            <a:endParaRPr lang="en-US" altLang="zh-CN" dirty="0" smtClean="0"/>
+          </a:p>
+          <a:p>
+            <a:pPr lvl="1"/>
+            <a:r>
+              <a:rPr lang="en-US" altLang="zh-CN" dirty="0" smtClean="0"/>
+              <a:t>Latex  </a:t>
+            </a:r>
+            <a:r>
+              <a:rPr lang="zh-CN" altLang="en-US" dirty="0" smtClean="0"/>
+              <a:t>（排版软件，制作学术</a:t>
+            </a:r>
+            <a:r>
+              <a:rPr lang="en-US" altLang="zh-CN" dirty="0" smtClean="0"/>
+              <a:t>PPT</a:t>
+            </a:r>
+            <a:r>
+              <a:rPr lang="zh-CN" altLang="en-US" dirty="0" smtClean="0"/>
+              <a:t>）</a:t>
+            </a:r>
+            <a:endParaRPr lang="en-US" altLang="zh-CN" dirty="0"/>
+          </a:p>
+          <a:p>
+            <a:pPr lvl="1"/>
+            <a:r>
+              <a:rPr lang="en-US" altLang="zh-CN" dirty="0" err="1" smtClean="0"/>
+              <a:t>Rmarkdown</a:t>
+            </a:r>
+            <a:r>
+              <a:rPr lang="en-US" altLang="zh-CN" dirty="0" smtClean="0"/>
+              <a:t> (R + markdown</a:t>
+            </a:r>
+            <a:r>
+              <a:rPr lang="zh-CN" altLang="en-US" dirty="0" smtClean="0"/>
+              <a:t>：排版 </a:t>
+            </a:r>
+            <a:r>
+              <a:rPr lang="en-US" altLang="zh-CN" dirty="0" smtClean="0"/>
+              <a:t>+ </a:t>
+            </a:r>
+            <a:r>
+              <a:rPr lang="zh-CN" altLang="en-US" dirty="0" smtClean="0"/>
+              <a:t>编程）</a:t>
+            </a:r>
+            <a:endParaRPr lang="en-US" altLang="zh-CN" dirty="0" smtClean="0"/>
+          </a:p>
+          <a:p>
+            <a:pPr lvl="1"/>
+            <a:r>
+              <a:rPr lang="en-US" altLang="zh-CN" dirty="0" err="1" smtClean="0"/>
+              <a:t>Mathtype</a:t>
+            </a:r>
+            <a:r>
+              <a:rPr lang="en-US" altLang="zh-CN" dirty="0" smtClean="0"/>
+              <a:t> </a:t>
+            </a:r>
+            <a:r>
+              <a:rPr lang="zh-CN" altLang="en-US" dirty="0" smtClean="0"/>
+              <a:t>（公式编辑器）</a:t>
+            </a:r>
+            <a:endParaRPr lang="en-US" altLang="zh-CN" dirty="0"/>
+          </a:p>
+          <a:p>
+            <a:pPr lvl="1"/>
+            <a:endParaRPr lang="zh-CN" altLang="en-US" dirty="0"/>
+          </a:p>
+        </p:txBody>
+      </p:sp>
+      <p:sp>
+        <p:nvSpPr>
+          <p:cNvPr id="4" name="灯片编号占位符 3"/>
+          <p:cNvSpPr>
+            <a:spLocks noGrp="1"/>
+          </p:cNvSpPr>
+          <p:nvPr>
+            <p:ph type="sldNum" sz="quarter" idx="12"/>
+          </p:nvPr>
+        </p:nvSpPr>
+        <p:spPr>
+          <a:xfrm>
+            <a:off x="7010400" y="6245225"/>
+            <a:ext cx="2133600" cy="476250"/>
+          </a:xfrm>
+          <a:prstGeom prst="rect">
+            <a:avLst/>
+          </a:prstGeom>
+        </p:spPr>
+        <p:txBody>
+          <a:bodyPr/>
+          <a:lstStyle/>
+          <a:p>
+            <a:pPr>
+              <a:buFontTx/>
+              <a:buNone/>
+            </a:pPr>
+            <a:fld id="{62BE8675-7E1E-4F0D-99E8-4CEF8F868FF2}" type="slidenum">
+              <a:rPr lang="en-US" altLang="zh-CN" smtClean="0"/>
+              <a:pPr>
+                <a:buFontTx/>
+                <a:buNone/>
+              </a:pPr>
+              <a:t>10</a:t>
+            </a:fld>
+            <a:endParaRPr lang="zh-CN" altLang="en-US" dirty="0"/>
+          </a:p>
+        </p:txBody>
+      </p:sp>
+      <p:sp>
+        <p:nvSpPr>
+          <p:cNvPr id="5" name="标题 1"/>
+          <p:cNvSpPr txBox="1">
+            <a:spLocks/>
+          </p:cNvSpPr>
+          <p:nvPr/>
+        </p:nvSpPr>
+        <p:spPr>
+          <a:xfrm>
+            <a:off x="242596" y="773151"/>
+            <a:ext cx="8229600" cy="789140"/>
+          </a:xfrm>
+          <a:prstGeom prst="rect">
+            <a:avLst/>
+          </a:prstGeom>
+        </p:spPr>
+        <p:txBody>
+          <a:bodyPr/>
+          <a:lstStyle>
+            <a:lvl1pPr algn="ctr" rtl="0" eaLnBrk="1" fontAlgn="base" hangingPunct="1">
+              <a:spcBef>
+                <a:spcPct val="0"/>
+              </a:spcBef>
+              <a:spcAft>
+                <a:spcPct val="0"/>
+              </a:spcAft>
+              <a:defRPr sz="3600" b="1">
+                <a:solidFill>
+                  <a:schemeClr val="tx2"/>
+                </a:solidFill>
+                <a:latin typeface="黑体" pitchFamily="49" charset="-122"/>
+                <a:ea typeface="黑体" pitchFamily="49" charset="-122"/>
+                <a:cs typeface="+mj-cs"/>
+              </a:defRPr>
+            </a:lvl1pPr>
+            <a:lvl2pPr algn="ctr" rtl="0" eaLnBrk="1" fontAlgn="base" hangingPunct="1">
+              <a:spcBef>
+                <a:spcPct val="0"/>
+              </a:spcBef>
+              <a:spcAft>
+                <a:spcPct val="0"/>
+              </a:spcAft>
+              <a:defRPr sz="4400">
+                <a:solidFill>
+                  <a:schemeClr val="tx2"/>
+                </a:solidFill>
+                <a:latin typeface="Arial" charset="0"/>
+                <a:ea typeface="宋体" charset="-122"/>
+              </a:defRPr>
+            </a:lvl2pPr>
+            <a:lvl3pPr algn="ctr" rtl="0" eaLnBrk="1" fontAlgn="base" hangingPunct="1">
+              <a:spcBef>
+                <a:spcPct val="0"/>
+              </a:spcBef>
+              <a:spcAft>
+                <a:spcPct val="0"/>
+              </a:spcAft>
+              <a:defRPr sz="4400">
+                <a:solidFill>
+                  <a:schemeClr val="tx2"/>
+                </a:solidFill>
+                <a:latin typeface="Arial" charset="0"/>
+                <a:ea typeface="宋体" charset="-122"/>
+              </a:defRPr>
+            </a:lvl3pPr>
+            <a:lvl4pPr algn="ctr" rtl="0" eaLnBrk="1" fontAlgn="base" hangingPunct="1">
+              <a:spcBef>
+                <a:spcPct val="0"/>
+              </a:spcBef>
+              <a:spcAft>
+                <a:spcPct val="0"/>
+              </a:spcAft>
+              <a:defRPr sz="4400">
+                <a:solidFill>
+                  <a:schemeClr val="tx2"/>
+                </a:solidFill>
+                <a:latin typeface="Arial" charset="0"/>
+                <a:ea typeface="宋体" charset="-122"/>
+              </a:defRPr>
+            </a:lvl4pPr>
+            <a:lvl5pPr algn="ctr" rtl="0" eaLnBrk="1" fontAlgn="base" hangingPunct="1">
+              <a:spcBef>
+                <a:spcPct val="0"/>
+              </a:spcBef>
+              <a:spcAft>
+                <a:spcPct val="0"/>
+              </a:spcAft>
+              <a:defRPr sz="4400">
+                <a:solidFill>
+                  <a:schemeClr val="tx2"/>
+                </a:solidFill>
+                <a:latin typeface="Arial" charset="0"/>
+                <a:ea typeface="宋体" charset="-122"/>
+              </a:defRPr>
+            </a:lvl5pPr>
+            <a:lvl6pPr marL="457200" algn="ctr" rtl="0" eaLnBrk="1" fontAlgn="base" hangingPunct="1">
+              <a:spcBef>
+                <a:spcPct val="0"/>
+              </a:spcBef>
+              <a:spcAft>
+                <a:spcPct val="0"/>
+              </a:spcAft>
+              <a:defRPr sz="4400">
+                <a:solidFill>
+                  <a:schemeClr val="tx2"/>
+                </a:solidFill>
+                <a:latin typeface="Arial" charset="0"/>
+                <a:ea typeface="宋体" charset="-122"/>
+              </a:defRPr>
+            </a:lvl6pPr>
+            <a:lvl7pPr marL="914400" algn="ctr" rtl="0" eaLnBrk="1" fontAlgn="base" hangingPunct="1">
+              <a:spcBef>
+                <a:spcPct val="0"/>
+              </a:spcBef>
+              <a:spcAft>
+                <a:spcPct val="0"/>
+              </a:spcAft>
+              <a:defRPr sz="4400">
+                <a:solidFill>
+                  <a:schemeClr val="tx2"/>
+                </a:solidFill>
+                <a:latin typeface="Arial" charset="0"/>
+                <a:ea typeface="宋体" charset="-122"/>
+              </a:defRPr>
+            </a:lvl7pPr>
+            <a:lvl8pPr marL="1371600" algn="ctr" rtl="0" eaLnBrk="1" fontAlgn="base" hangingPunct="1">
+              <a:spcBef>
+                <a:spcPct val="0"/>
+              </a:spcBef>
+              <a:spcAft>
+                <a:spcPct val="0"/>
+              </a:spcAft>
+              <a:defRPr sz="4400">
+                <a:solidFill>
+                  <a:schemeClr val="tx2"/>
+                </a:solidFill>
+                <a:latin typeface="Arial" charset="0"/>
+                <a:ea typeface="宋体" charset="-122"/>
+              </a:defRPr>
+            </a:lvl8pPr>
+            <a:lvl9pPr marL="1828800" algn="ctr" rtl="0" eaLnBrk="1" fontAlgn="base" hangingPunct="1">
+              <a:spcBef>
+                <a:spcPct val="0"/>
+              </a:spcBef>
+              <a:spcAft>
+                <a:spcPct val="0"/>
+              </a:spcAft>
+              <a:defRPr sz="4400">
+                <a:solidFill>
+                  <a:schemeClr val="tx2"/>
+                </a:solidFill>
+                <a:latin typeface="Arial" charset="0"/>
+                <a:ea typeface="宋体" charset="-122"/>
+              </a:defRPr>
+            </a:lvl9pPr>
+          </a:lstStyle>
+          <a:p>
+            <a:pPr>
+              <a:lnSpc>
+                <a:spcPct val="100000"/>
+              </a:lnSpc>
+              <a:buNone/>
+            </a:pPr>
+            <a:r>
+              <a:rPr lang="zh-CN" altLang="en-US" kern="0" dirty="0" smtClean="0"/>
+              <a:t>其他软件</a:t>
+            </a:r>
+            <a:endParaRPr lang="zh-CN" altLang="en-US" kern="0" dirty="0"/>
+          </a:p>
+        </p:txBody>
+      </p:sp>
+    </p:spTree>
+    <p:extLst>
+      <p:ext uri="{BB962C8B-B14F-4D97-AF65-F5344CB8AC3E}">
+        <p14:creationId xmlns:p14="http://schemas.microsoft.com/office/powerpoint/2010/main" val="2960180867"/>
+      </p:ext>
+    </p:extLst>
+  </p:cSld>
+  <p:clrMapOvr>
+    <a:masterClrMapping/>
+  </p:clrMapOvr>
+  <p:transition>
+    <p:fade/>
+  </p:transition>
+  <p:timing>
+    <p:tnLst>
+      <p:par>
+        <p:cTn id="1" dur="indefinite" restart="never" nodeType="tmRoot"/>
+      </p:par>
+    </p:tnLst>
+  </p:timing>
+</p:sld>
+</file>
+
+<file path=ppt/slides/slide11.xml><?xml version="1.0" encoding="utf-8"?>
+<p:sld xmlns:a="http://schemas.openxmlformats.org/drawingml/2006/main" xmlns:r="http://schemas.openxmlformats.org/officeDocument/2006/relationships" xmlns:p="http://schemas.openxmlformats.org/presentationml/2006/main">
+  <p:cSld>
+    <p:spTree>
+      <p:nvGrpSpPr>
+        <p:cNvPr id="1" name=""/>
+        <p:cNvGrpSpPr/>
+        <p:nvPr/>
+      </p:nvGrpSpPr>
+      <p:grpSpPr>
+        <a:xfrm>
+          <a:off x="0" y="0"/>
+          <a:ext cx="0" cy="0"/>
+          <a:chOff x="0" y="0"/>
+          <a:chExt cx="0" cy="0"/>
+        </a:xfrm>
+      </p:grpSpPr>
+      <p:sp>
+        <p:nvSpPr>
           <p:cNvPr id="13314" name="TextBox 1"/>
           <p:cNvSpPr txBox="1">
             <a:spLocks noChangeArrowheads="1"/>
@@ -25717,7 +26074,7 @@
         </p:nvSpPr>
         <p:spPr bwMode="auto">
           <a:xfrm>
-            <a:off x="1701728" y="872380"/>
+            <a:off x="1701728" y="947025"/>
             <a:ext cx="5779146" cy="523220"/>
           </a:xfrm>
           <a:prstGeom prst="rect">
@@ -26016,6 +26373,738 @@
           </a:p>
         </p:txBody>
       </p:sp>
+      <p:graphicFrame>
+        <p:nvGraphicFramePr>
+          <p:cNvPr id="2" name="表格 1"/>
+          <p:cNvGraphicFramePr>
+            <a:graphicFrameLocks noGrp="1"/>
+          </p:cNvGraphicFramePr>
+          <p:nvPr>
+            <p:extLst>
+              <p:ext uri="{D42A27DB-BD31-4B8C-83A1-F6EECF244321}">
+                <p14:modId xmlns:p14="http://schemas.microsoft.com/office/powerpoint/2010/main" val="4250228493"/>
+              </p:ext>
+            </p:extLst>
+          </p:nvPr>
+        </p:nvGraphicFramePr>
+        <p:xfrm>
+          <a:off x="606490" y="2127379"/>
+          <a:ext cx="8119829" cy="3247848"/>
+        </p:xfrm>
+        <a:graphic>
+          <a:graphicData uri="http://schemas.openxmlformats.org/drawingml/2006/table">
+            <a:tbl>
+              <a:tblPr>
+                <a:tableStyleId>{5DA37D80-6434-44D0-A028-1B22A696006F}</a:tableStyleId>
+              </a:tblPr>
+              <a:tblGrid>
+                <a:gridCol w="1324653">
+                  <a:extLst>
+                    <a:ext uri="{9D8B030D-6E8A-4147-A177-3AD203B41FA5}">
+                      <a16:colId xmlns:a16="http://schemas.microsoft.com/office/drawing/2014/main" val="2518381516"/>
+                    </a:ext>
+                  </a:extLst>
+                </a:gridCol>
+                <a:gridCol w="1698794">
+                  <a:extLst>
+                    <a:ext uri="{9D8B030D-6E8A-4147-A177-3AD203B41FA5}">
+                      <a16:colId xmlns:a16="http://schemas.microsoft.com/office/drawing/2014/main" val="1389597845"/>
+                    </a:ext>
+                  </a:extLst>
+                </a:gridCol>
+                <a:gridCol w="1698794">
+                  <a:extLst>
+                    <a:ext uri="{9D8B030D-6E8A-4147-A177-3AD203B41FA5}">
+                      <a16:colId xmlns:a16="http://schemas.microsoft.com/office/drawing/2014/main" val="1976290105"/>
+                    </a:ext>
+                  </a:extLst>
+                </a:gridCol>
+                <a:gridCol w="1698794">
+                  <a:extLst>
+                    <a:ext uri="{9D8B030D-6E8A-4147-A177-3AD203B41FA5}">
+                      <a16:colId xmlns:a16="http://schemas.microsoft.com/office/drawing/2014/main" val="2203071171"/>
+                    </a:ext>
+                  </a:extLst>
+                </a:gridCol>
+                <a:gridCol w="1698794">
+                  <a:extLst>
+                    <a:ext uri="{9D8B030D-6E8A-4147-A177-3AD203B41FA5}">
+                      <a16:colId xmlns:a16="http://schemas.microsoft.com/office/drawing/2014/main" val="319571334"/>
+                    </a:ext>
+                  </a:extLst>
+                </a:gridCol>
+              </a:tblGrid>
+              <a:tr h="370560">
+                <a:tc>
+                  <a:txBody>
+                    <a:bodyPr/>
+                    <a:lstStyle/>
+                    <a:p>
+                      <a:pPr algn="ctr" fontAlgn="ctr"/>
+                      <a:r>
+                        <a:rPr lang="zh-CN" altLang="en-US" sz="1400" u="none" strike="noStrike" dirty="0">
+                          <a:effectLst/>
+                          <a:latin typeface="Times New Roman" panose="02020603050405020304" pitchFamily="18" charset="0"/>
+                          <a:cs typeface="Times New Roman" panose="02020603050405020304" pitchFamily="18" charset="0"/>
+                        </a:rPr>
+                        <a:t>序号</a:t>
+                      </a:r>
+                      <a:endParaRPr lang="zh-CN" altLang="en-US" sz="1400" b="0" i="0" u="none" strike="noStrike" dirty="0">
+                        <a:effectLst/>
+                        <a:latin typeface="Times New Roman" panose="02020603050405020304" pitchFamily="18" charset="0"/>
+                        <a:ea typeface="宋体" panose="02010600030101010101" pitchFamily="2" charset="-122"/>
+                        <a:cs typeface="Times New Roman" panose="02020603050405020304" pitchFamily="18" charset="0"/>
+                      </a:endParaRPr>
+                    </a:p>
+                  </a:txBody>
+                  <a:tcPr marL="9525" marR="9525" marT="9525" marB="0" anchor="ctr"/>
+                </a:tc>
+                <a:tc>
+                  <a:txBody>
+                    <a:bodyPr/>
+                    <a:lstStyle/>
+                    <a:p>
+                      <a:pPr algn="ctr" fontAlgn="ctr"/>
+                      <a:r>
+                        <a:rPr lang="zh-CN" altLang="en-US" sz="1400" u="none" strike="noStrike" dirty="0">
+                          <a:effectLst/>
+                          <a:latin typeface="Times New Roman" panose="02020603050405020304" pitchFamily="18" charset="0"/>
+                          <a:cs typeface="Times New Roman" panose="02020603050405020304" pitchFamily="18" charset="0"/>
+                        </a:rPr>
+                        <a:t>学号</a:t>
+                      </a:r>
+                      <a:endParaRPr lang="zh-CN" altLang="en-US" sz="1400" b="0" i="0" u="none" strike="noStrike" dirty="0">
+                        <a:effectLst/>
+                        <a:latin typeface="Times New Roman" panose="02020603050405020304" pitchFamily="18" charset="0"/>
+                        <a:ea typeface="宋体" panose="02010600030101010101" pitchFamily="2" charset="-122"/>
+                        <a:cs typeface="Times New Roman" panose="02020603050405020304" pitchFamily="18" charset="0"/>
+                      </a:endParaRPr>
+                    </a:p>
+                  </a:txBody>
+                  <a:tcPr marL="9525" marR="9525" marT="9525" marB="0" anchor="ctr"/>
+                </a:tc>
+                <a:tc>
+                  <a:txBody>
+                    <a:bodyPr/>
+                    <a:lstStyle/>
+                    <a:p>
+                      <a:pPr algn="ctr" fontAlgn="ctr"/>
+                      <a:r>
+                        <a:rPr lang="zh-CN" altLang="en-US" sz="1400" u="none" strike="noStrike" dirty="0">
+                          <a:effectLst/>
+                          <a:latin typeface="Times New Roman" panose="02020603050405020304" pitchFamily="18" charset="0"/>
+                          <a:cs typeface="Times New Roman" panose="02020603050405020304" pitchFamily="18" charset="0"/>
+                        </a:rPr>
+                        <a:t>姓名</a:t>
+                      </a:r>
+                      <a:endParaRPr lang="zh-CN" altLang="en-US" sz="1400" b="0" i="0" u="none" strike="noStrike" dirty="0">
+                        <a:effectLst/>
+                        <a:latin typeface="Times New Roman" panose="02020603050405020304" pitchFamily="18" charset="0"/>
+                        <a:ea typeface="宋体" panose="02010600030101010101" pitchFamily="2" charset="-122"/>
+                        <a:cs typeface="Times New Roman" panose="02020603050405020304" pitchFamily="18" charset="0"/>
+                      </a:endParaRPr>
+                    </a:p>
+                  </a:txBody>
+                  <a:tcPr marL="9525" marR="9525" marT="9525" marB="0" anchor="ctr"/>
+                </a:tc>
+                <a:tc>
+                  <a:txBody>
+                    <a:bodyPr/>
+                    <a:lstStyle/>
+                    <a:p>
+                      <a:pPr algn="ctr" fontAlgn="ctr"/>
+                      <a:r>
+                        <a:rPr lang="zh-CN" altLang="en-US" sz="1400" u="none" strike="noStrike" dirty="0">
+                          <a:effectLst/>
+                          <a:latin typeface="Times New Roman" panose="02020603050405020304" pitchFamily="18" charset="0"/>
+                          <a:cs typeface="Times New Roman" panose="02020603050405020304" pitchFamily="18" charset="0"/>
+                        </a:rPr>
+                        <a:t>院系</a:t>
+                      </a:r>
+                      <a:endParaRPr lang="zh-CN" altLang="en-US" sz="1400" b="0" i="0" u="none" strike="noStrike" dirty="0">
+                        <a:effectLst/>
+                        <a:latin typeface="Times New Roman" panose="02020603050405020304" pitchFamily="18" charset="0"/>
+                        <a:ea typeface="宋体" panose="02010600030101010101" pitchFamily="2" charset="-122"/>
+                        <a:cs typeface="Times New Roman" panose="02020603050405020304" pitchFamily="18" charset="0"/>
+                      </a:endParaRPr>
+                    </a:p>
+                  </a:txBody>
+                  <a:tcPr marL="9525" marR="9525" marT="9525" marB="0" anchor="ctr"/>
+                </a:tc>
+                <a:tc>
+                  <a:txBody>
+                    <a:bodyPr/>
+                    <a:lstStyle/>
+                    <a:p>
+                      <a:pPr algn="ctr" fontAlgn="ctr"/>
+                      <a:r>
+                        <a:rPr lang="zh-CN" altLang="en-US" sz="1400" u="none" strike="noStrike" dirty="0">
+                          <a:effectLst/>
+                          <a:latin typeface="Times New Roman" panose="02020603050405020304" pitchFamily="18" charset="0"/>
+                          <a:cs typeface="Times New Roman" panose="02020603050405020304" pitchFamily="18" charset="0"/>
+                        </a:rPr>
+                        <a:t>专业</a:t>
+                      </a:r>
+                      <a:endParaRPr lang="zh-CN" altLang="en-US" sz="1400" b="0" i="0" u="none" strike="noStrike" dirty="0">
+                        <a:effectLst/>
+                        <a:latin typeface="Times New Roman" panose="02020603050405020304" pitchFamily="18" charset="0"/>
+                        <a:ea typeface="宋体" panose="02010600030101010101" pitchFamily="2" charset="-122"/>
+                        <a:cs typeface="Times New Roman" panose="02020603050405020304" pitchFamily="18" charset="0"/>
+                      </a:endParaRPr>
+                    </a:p>
+                  </a:txBody>
+                  <a:tcPr marL="9525" marR="9525" marT="9525" marB="0" anchor="ctr"/>
+                </a:tc>
+                <a:extLst>
+                  <a:ext uri="{0D108BD9-81ED-4DB2-BD59-A6C34878D82A}">
+                    <a16:rowId xmlns:a16="http://schemas.microsoft.com/office/drawing/2014/main" val="3744873072"/>
+                  </a:ext>
+                </a:extLst>
+              </a:tr>
+              <a:tr h="719322">
+                <a:tc>
+                  <a:txBody>
+                    <a:bodyPr/>
+                    <a:lstStyle/>
+                    <a:p>
+                      <a:pPr algn="ctr" fontAlgn="ctr"/>
+                      <a:r>
+                        <a:rPr lang="en-US" altLang="zh-CN" sz="1400" u="none" strike="noStrike" dirty="0">
+                          <a:effectLst/>
+                          <a:latin typeface="Times New Roman" panose="02020603050405020304" pitchFamily="18" charset="0"/>
+                          <a:cs typeface="Times New Roman" panose="02020603050405020304" pitchFamily="18" charset="0"/>
+                        </a:rPr>
+                        <a:t>1</a:t>
+                      </a:r>
+                      <a:endParaRPr lang="en-US" altLang="zh-CN" sz="1400" b="0" i="0" u="none" strike="noStrike" dirty="0">
+                        <a:effectLst/>
+                        <a:latin typeface="Times New Roman" panose="02020603050405020304" pitchFamily="18" charset="0"/>
+                        <a:ea typeface="宋体" panose="02010600030101010101" pitchFamily="2" charset="-122"/>
+                        <a:cs typeface="Times New Roman" panose="02020603050405020304" pitchFamily="18" charset="0"/>
+                      </a:endParaRPr>
+                    </a:p>
+                  </a:txBody>
+                  <a:tcPr marL="9525" marR="9525" marT="9525" marB="0" anchor="ctr"/>
+                </a:tc>
+                <a:tc>
+                  <a:txBody>
+                    <a:bodyPr/>
+                    <a:lstStyle/>
+                    <a:p>
+                      <a:pPr algn="ctr" fontAlgn="ctr"/>
+                      <a:r>
+                        <a:rPr lang="en-US" altLang="zh-CN" sz="1400" u="none" strike="noStrike" dirty="0">
+                          <a:effectLst/>
+                          <a:latin typeface="Times New Roman" panose="02020603050405020304" pitchFamily="18" charset="0"/>
+                          <a:cs typeface="Times New Roman" panose="02020603050405020304" pitchFamily="18" charset="0"/>
+                        </a:rPr>
+                        <a:t>201710931892</a:t>
+                      </a:r>
+                      <a:endParaRPr lang="en-US" altLang="zh-CN" sz="1400" b="0" i="0" u="none" strike="noStrike" dirty="0">
+                        <a:effectLst/>
+                        <a:latin typeface="Times New Roman" panose="02020603050405020304" pitchFamily="18" charset="0"/>
+                        <a:ea typeface="宋体" panose="02010600030101010101" pitchFamily="2" charset="-122"/>
+                        <a:cs typeface="Times New Roman" panose="02020603050405020304" pitchFamily="18" charset="0"/>
+                      </a:endParaRPr>
+                    </a:p>
+                  </a:txBody>
+                  <a:tcPr marL="9525" marR="9525" marT="9525" marB="0" anchor="ctr"/>
+                </a:tc>
+                <a:tc>
+                  <a:txBody>
+                    <a:bodyPr/>
+                    <a:lstStyle/>
+                    <a:p>
+                      <a:pPr algn="ctr" fontAlgn="ctr"/>
+                      <a:r>
+                        <a:rPr lang="zh-CN" altLang="en-US" sz="1400" u="none" strike="noStrike" dirty="0" smtClean="0">
+                          <a:effectLst/>
+                          <a:latin typeface="Times New Roman" panose="02020603050405020304" pitchFamily="18" charset="0"/>
+                          <a:cs typeface="Times New Roman" panose="02020603050405020304" pitchFamily="18" charset="0"/>
+                        </a:rPr>
+                        <a:t>雷</a:t>
+                      </a:r>
+                      <a:r>
+                        <a:rPr lang="en-US" altLang="zh-CN" sz="1400" u="none" strike="noStrike" dirty="0" smtClean="0">
+                          <a:effectLst/>
+                          <a:latin typeface="Times New Roman" panose="02020603050405020304" pitchFamily="18" charset="0"/>
+                          <a:cs typeface="Times New Roman" panose="02020603050405020304" pitchFamily="18" charset="0"/>
+                        </a:rPr>
+                        <a:t>*</a:t>
+                      </a:r>
+                      <a:endParaRPr lang="zh-CN" altLang="en-US" sz="1400" b="0" i="0" u="none" strike="noStrike" dirty="0">
+                        <a:effectLst/>
+                        <a:latin typeface="Times New Roman" panose="02020603050405020304" pitchFamily="18" charset="0"/>
+                        <a:ea typeface="宋体" panose="02010600030101010101" pitchFamily="2" charset="-122"/>
+                        <a:cs typeface="Times New Roman" panose="02020603050405020304" pitchFamily="18" charset="0"/>
+                      </a:endParaRPr>
+                    </a:p>
+                  </a:txBody>
+                  <a:tcPr marL="9525" marR="9525" marT="9525" marB="0" anchor="ctr"/>
+                </a:tc>
+                <a:tc>
+                  <a:txBody>
+                    <a:bodyPr/>
+                    <a:lstStyle/>
+                    <a:p>
+                      <a:pPr algn="ctr" fontAlgn="ctr"/>
+                      <a:r>
+                        <a:rPr lang="zh-CN" altLang="en-US" sz="1400" u="none" strike="noStrike">
+                          <a:effectLst/>
+                          <a:latin typeface="Times New Roman" panose="02020603050405020304" pitchFamily="18" charset="0"/>
+                          <a:cs typeface="Times New Roman" panose="02020603050405020304" pitchFamily="18" charset="0"/>
+                        </a:rPr>
+                        <a:t>保险学院</a:t>
+                      </a:r>
+                      <a:endParaRPr lang="zh-CN" altLang="en-US" sz="1400" b="0" i="0" u="none" strike="noStrike">
+                        <a:effectLst/>
+                        <a:latin typeface="Times New Roman" panose="02020603050405020304" pitchFamily="18" charset="0"/>
+                        <a:ea typeface="宋体" panose="02010600030101010101" pitchFamily="2" charset="-122"/>
+                        <a:cs typeface="Times New Roman" panose="02020603050405020304" pitchFamily="18" charset="0"/>
+                      </a:endParaRPr>
+                    </a:p>
+                  </a:txBody>
+                  <a:tcPr marL="9525" marR="9525" marT="9525" marB="0" anchor="ctr"/>
+                </a:tc>
+                <a:tc>
+                  <a:txBody>
+                    <a:bodyPr/>
+                    <a:lstStyle/>
+                    <a:p>
+                      <a:pPr algn="ctr" fontAlgn="ctr"/>
+                      <a:r>
+                        <a:rPr lang="zh-CN" altLang="en-US" sz="1400" u="none" strike="noStrike" dirty="0">
+                          <a:effectLst/>
+                          <a:latin typeface="Times New Roman" panose="02020603050405020304" pitchFamily="18" charset="0"/>
+                          <a:cs typeface="Times New Roman" panose="02020603050405020304" pitchFamily="18" charset="0"/>
+                        </a:rPr>
+                        <a:t>精算学</a:t>
+                      </a:r>
+                      <a:endParaRPr lang="zh-CN" altLang="en-US" sz="1400" b="0" i="0" u="none" strike="noStrike" dirty="0">
+                        <a:effectLst/>
+                        <a:latin typeface="Times New Roman" panose="02020603050405020304" pitchFamily="18" charset="0"/>
+                        <a:ea typeface="宋体" panose="02010600030101010101" pitchFamily="2" charset="-122"/>
+                        <a:cs typeface="Times New Roman" panose="02020603050405020304" pitchFamily="18" charset="0"/>
+                      </a:endParaRPr>
+                    </a:p>
+                  </a:txBody>
+                  <a:tcPr marL="9525" marR="9525" marT="9525" marB="0" anchor="ctr"/>
+                </a:tc>
+                <a:extLst>
+                  <a:ext uri="{0D108BD9-81ED-4DB2-BD59-A6C34878D82A}">
+                    <a16:rowId xmlns:a16="http://schemas.microsoft.com/office/drawing/2014/main" val="99242798"/>
+                  </a:ext>
+                </a:extLst>
+              </a:tr>
+              <a:tr h="719322">
+                <a:tc>
+                  <a:txBody>
+                    <a:bodyPr/>
+                    <a:lstStyle/>
+                    <a:p>
+                      <a:pPr algn="ctr" fontAlgn="ctr"/>
+                      <a:r>
+                        <a:rPr lang="en-US" altLang="zh-CN" sz="1400" u="none" strike="noStrike">
+                          <a:effectLst/>
+                          <a:latin typeface="Times New Roman" panose="02020603050405020304" pitchFamily="18" charset="0"/>
+                          <a:cs typeface="Times New Roman" panose="02020603050405020304" pitchFamily="18" charset="0"/>
+                        </a:rPr>
+                        <a:t>2</a:t>
+                      </a:r>
+                      <a:endParaRPr lang="en-US" altLang="zh-CN" sz="1400" b="0" i="0" u="none" strike="noStrike">
+                        <a:effectLst/>
+                        <a:latin typeface="Times New Roman" panose="02020603050405020304" pitchFamily="18" charset="0"/>
+                        <a:ea typeface="宋体" panose="02010600030101010101" pitchFamily="2" charset="-122"/>
+                        <a:cs typeface="Times New Roman" panose="02020603050405020304" pitchFamily="18" charset="0"/>
+                      </a:endParaRPr>
+                    </a:p>
+                  </a:txBody>
+                  <a:tcPr marL="9525" marR="9525" marT="9525" marB="0" anchor="ctr"/>
+                </a:tc>
+                <a:tc>
+                  <a:txBody>
+                    <a:bodyPr/>
+                    <a:lstStyle/>
+                    <a:p>
+                      <a:pPr algn="ctr" fontAlgn="ctr"/>
+                      <a:r>
+                        <a:rPr lang="en-US" altLang="zh-CN" sz="1400" u="none" strike="noStrike" dirty="0">
+                          <a:effectLst/>
+                          <a:latin typeface="Times New Roman" panose="02020603050405020304" pitchFamily="18" charset="0"/>
+                          <a:cs typeface="Times New Roman" panose="02020603050405020304" pitchFamily="18" charset="0"/>
+                        </a:rPr>
+                        <a:t>201710931893</a:t>
+                      </a:r>
+                      <a:endParaRPr lang="en-US" altLang="zh-CN" sz="1400" b="0" i="0" u="none" strike="noStrike" dirty="0">
+                        <a:effectLst/>
+                        <a:latin typeface="Times New Roman" panose="02020603050405020304" pitchFamily="18" charset="0"/>
+                        <a:ea typeface="宋体" panose="02010600030101010101" pitchFamily="2" charset="-122"/>
+                        <a:cs typeface="Times New Roman" panose="02020603050405020304" pitchFamily="18" charset="0"/>
+                      </a:endParaRPr>
+                    </a:p>
+                  </a:txBody>
+                  <a:tcPr marL="9525" marR="9525" marT="9525" marB="0" anchor="ctr"/>
+                </a:tc>
+                <a:tc>
+                  <a:txBody>
+                    <a:bodyPr/>
+                    <a:lstStyle/>
+                    <a:p>
+                      <a:pPr algn="ctr" fontAlgn="ctr"/>
+                      <a:r>
+                        <a:rPr lang="zh-CN" altLang="en-US" sz="1400" u="none" strike="noStrike" dirty="0" smtClean="0">
+                          <a:effectLst/>
+                          <a:latin typeface="Times New Roman" panose="02020603050405020304" pitchFamily="18" charset="0"/>
+                          <a:cs typeface="Times New Roman" panose="02020603050405020304" pitchFamily="18" charset="0"/>
+                        </a:rPr>
+                        <a:t>丘</a:t>
+                      </a:r>
+                      <a:r>
+                        <a:rPr lang="en-US" altLang="zh-CN" sz="1400" u="none" strike="noStrike" dirty="0" smtClean="0">
+                          <a:effectLst/>
+                          <a:latin typeface="Times New Roman" panose="02020603050405020304" pitchFamily="18" charset="0"/>
+                          <a:cs typeface="Times New Roman" panose="02020603050405020304" pitchFamily="18" charset="0"/>
+                        </a:rPr>
+                        <a:t>*</a:t>
+                      </a:r>
+                      <a:endParaRPr lang="zh-CN" altLang="en-US" sz="1400" b="0" i="0" u="none" strike="noStrike" dirty="0">
+                        <a:effectLst/>
+                        <a:latin typeface="Times New Roman" panose="02020603050405020304" pitchFamily="18" charset="0"/>
+                        <a:ea typeface="宋体" panose="02010600030101010101" pitchFamily="2" charset="-122"/>
+                        <a:cs typeface="Times New Roman" panose="02020603050405020304" pitchFamily="18" charset="0"/>
+                      </a:endParaRPr>
+                    </a:p>
+                  </a:txBody>
+                  <a:tcPr marL="9525" marR="9525" marT="9525" marB="0" anchor="ctr"/>
+                </a:tc>
+                <a:tc>
+                  <a:txBody>
+                    <a:bodyPr/>
+                    <a:lstStyle/>
+                    <a:p>
+                      <a:pPr algn="ctr" fontAlgn="ctr"/>
+                      <a:r>
+                        <a:rPr lang="zh-CN" altLang="en-US" sz="1400" u="none" strike="noStrike">
+                          <a:effectLst/>
+                          <a:latin typeface="Times New Roman" panose="02020603050405020304" pitchFamily="18" charset="0"/>
+                          <a:cs typeface="Times New Roman" panose="02020603050405020304" pitchFamily="18" charset="0"/>
+                        </a:rPr>
+                        <a:t>保险学院</a:t>
+                      </a:r>
+                      <a:endParaRPr lang="zh-CN" altLang="en-US" sz="1400" b="0" i="0" u="none" strike="noStrike">
+                        <a:effectLst/>
+                        <a:latin typeface="Times New Roman" panose="02020603050405020304" pitchFamily="18" charset="0"/>
+                        <a:ea typeface="宋体" panose="02010600030101010101" pitchFamily="2" charset="-122"/>
+                        <a:cs typeface="Times New Roman" panose="02020603050405020304" pitchFamily="18" charset="0"/>
+                      </a:endParaRPr>
+                    </a:p>
+                  </a:txBody>
+                  <a:tcPr marL="9525" marR="9525" marT="9525" marB="0" anchor="ctr"/>
+                </a:tc>
+                <a:tc>
+                  <a:txBody>
+                    <a:bodyPr/>
+                    <a:lstStyle/>
+                    <a:p>
+                      <a:pPr algn="ctr" fontAlgn="ctr"/>
+                      <a:r>
+                        <a:rPr lang="zh-CN" altLang="en-US" sz="1400" u="none" strike="noStrike" dirty="0">
+                          <a:effectLst/>
+                          <a:latin typeface="Times New Roman" panose="02020603050405020304" pitchFamily="18" charset="0"/>
+                          <a:cs typeface="Times New Roman" panose="02020603050405020304" pitchFamily="18" charset="0"/>
+                        </a:rPr>
+                        <a:t>精算学</a:t>
+                      </a:r>
+                      <a:endParaRPr lang="zh-CN" altLang="en-US" sz="1400" b="0" i="0" u="none" strike="noStrike" dirty="0">
+                        <a:effectLst/>
+                        <a:latin typeface="Times New Roman" panose="02020603050405020304" pitchFamily="18" charset="0"/>
+                        <a:ea typeface="宋体" panose="02010600030101010101" pitchFamily="2" charset="-122"/>
+                        <a:cs typeface="Times New Roman" panose="02020603050405020304" pitchFamily="18" charset="0"/>
+                      </a:endParaRPr>
+                    </a:p>
+                  </a:txBody>
+                  <a:tcPr marL="9525" marR="9525" marT="9525" marB="0" anchor="ctr"/>
+                </a:tc>
+                <a:extLst>
+                  <a:ext uri="{0D108BD9-81ED-4DB2-BD59-A6C34878D82A}">
+                    <a16:rowId xmlns:a16="http://schemas.microsoft.com/office/drawing/2014/main" val="2717469976"/>
+                  </a:ext>
+                </a:extLst>
+              </a:tr>
+              <a:tr h="719322">
+                <a:tc>
+                  <a:txBody>
+                    <a:bodyPr/>
+                    <a:lstStyle/>
+                    <a:p>
+                      <a:pPr algn="ctr" fontAlgn="ctr"/>
+                      <a:r>
+                        <a:rPr lang="en-US" altLang="zh-CN" sz="1400" u="none" strike="noStrike">
+                          <a:effectLst/>
+                          <a:latin typeface="Times New Roman" panose="02020603050405020304" pitchFamily="18" charset="0"/>
+                          <a:cs typeface="Times New Roman" panose="02020603050405020304" pitchFamily="18" charset="0"/>
+                        </a:rPr>
+                        <a:t>3</a:t>
+                      </a:r>
+                      <a:endParaRPr lang="en-US" altLang="zh-CN" sz="1400" b="0" i="0" u="none" strike="noStrike">
+                        <a:effectLst/>
+                        <a:latin typeface="Times New Roman" panose="02020603050405020304" pitchFamily="18" charset="0"/>
+                        <a:ea typeface="宋体" panose="02010600030101010101" pitchFamily="2" charset="-122"/>
+                        <a:cs typeface="Times New Roman" panose="02020603050405020304" pitchFamily="18" charset="0"/>
+                      </a:endParaRPr>
+                    </a:p>
+                  </a:txBody>
+                  <a:tcPr marL="9525" marR="9525" marT="9525" marB="0" anchor="ctr"/>
+                </a:tc>
+                <a:tc>
+                  <a:txBody>
+                    <a:bodyPr/>
+                    <a:lstStyle/>
+                    <a:p>
+                      <a:pPr algn="ctr" fontAlgn="ctr"/>
+                      <a:r>
+                        <a:rPr lang="en-US" altLang="zh-CN" sz="1400" u="none" strike="noStrike">
+                          <a:effectLst/>
+                          <a:latin typeface="Times New Roman" panose="02020603050405020304" pitchFamily="18" charset="0"/>
+                          <a:cs typeface="Times New Roman" panose="02020603050405020304" pitchFamily="18" charset="0"/>
+                        </a:rPr>
+                        <a:t>201710931897</a:t>
+                      </a:r>
+                      <a:endParaRPr lang="en-US" altLang="zh-CN" sz="1400" b="0" i="0" u="none" strike="noStrike">
+                        <a:effectLst/>
+                        <a:latin typeface="Times New Roman" panose="02020603050405020304" pitchFamily="18" charset="0"/>
+                        <a:ea typeface="宋体" panose="02010600030101010101" pitchFamily="2" charset="-122"/>
+                        <a:cs typeface="Times New Roman" panose="02020603050405020304" pitchFamily="18" charset="0"/>
+                      </a:endParaRPr>
+                    </a:p>
+                  </a:txBody>
+                  <a:tcPr marL="9525" marR="9525" marT="9525" marB="0" anchor="ctr"/>
+                </a:tc>
+                <a:tc>
+                  <a:txBody>
+                    <a:bodyPr/>
+                    <a:lstStyle/>
+                    <a:p>
+                      <a:pPr algn="ctr" fontAlgn="ctr"/>
+                      <a:r>
+                        <a:rPr lang="zh-CN" altLang="en-US" sz="1400" u="none" strike="noStrike" dirty="0" smtClean="0">
+                          <a:effectLst/>
+                          <a:latin typeface="Times New Roman" panose="02020603050405020304" pitchFamily="18" charset="0"/>
+                          <a:cs typeface="Times New Roman" panose="02020603050405020304" pitchFamily="18" charset="0"/>
+                        </a:rPr>
+                        <a:t>陈</a:t>
+                      </a:r>
+                      <a:r>
+                        <a:rPr lang="en-US" altLang="zh-CN" sz="1400" u="none" strike="noStrike" dirty="0" smtClean="0">
+                          <a:effectLst/>
+                          <a:latin typeface="Times New Roman" panose="02020603050405020304" pitchFamily="18" charset="0"/>
+                          <a:cs typeface="Times New Roman" panose="02020603050405020304" pitchFamily="18" charset="0"/>
+                        </a:rPr>
+                        <a:t>*</a:t>
+                      </a:r>
+                      <a:endParaRPr lang="zh-CN" altLang="en-US" sz="1400" b="0" i="0" u="none" strike="noStrike" dirty="0">
+                        <a:effectLst/>
+                        <a:latin typeface="Times New Roman" panose="02020603050405020304" pitchFamily="18" charset="0"/>
+                        <a:ea typeface="宋体" panose="02010600030101010101" pitchFamily="2" charset="-122"/>
+                        <a:cs typeface="Times New Roman" panose="02020603050405020304" pitchFamily="18" charset="0"/>
+                      </a:endParaRPr>
+                    </a:p>
+                  </a:txBody>
+                  <a:tcPr marL="9525" marR="9525" marT="9525" marB="0" anchor="ctr"/>
+                </a:tc>
+                <a:tc>
+                  <a:txBody>
+                    <a:bodyPr/>
+                    <a:lstStyle/>
+                    <a:p>
+                      <a:pPr algn="ctr" fontAlgn="ctr"/>
+                      <a:r>
+                        <a:rPr lang="zh-CN" altLang="en-US" sz="1400" u="none" strike="noStrike">
+                          <a:effectLst/>
+                          <a:latin typeface="Times New Roman" panose="02020603050405020304" pitchFamily="18" charset="0"/>
+                          <a:cs typeface="Times New Roman" panose="02020603050405020304" pitchFamily="18" charset="0"/>
+                        </a:rPr>
+                        <a:t>保险学院</a:t>
+                      </a:r>
+                      <a:endParaRPr lang="zh-CN" altLang="en-US" sz="1400" b="0" i="0" u="none" strike="noStrike">
+                        <a:effectLst/>
+                        <a:latin typeface="Times New Roman" panose="02020603050405020304" pitchFamily="18" charset="0"/>
+                        <a:ea typeface="宋体" panose="02010600030101010101" pitchFamily="2" charset="-122"/>
+                        <a:cs typeface="Times New Roman" panose="02020603050405020304" pitchFamily="18" charset="0"/>
+                      </a:endParaRPr>
+                    </a:p>
+                  </a:txBody>
+                  <a:tcPr marL="9525" marR="9525" marT="9525" marB="0" anchor="ctr"/>
+                </a:tc>
+                <a:tc>
+                  <a:txBody>
+                    <a:bodyPr/>
+                    <a:lstStyle/>
+                    <a:p>
+                      <a:pPr algn="ctr" fontAlgn="ctr"/>
+                      <a:r>
+                        <a:rPr lang="zh-CN" altLang="en-US" sz="1400" u="none" strike="noStrike" dirty="0">
+                          <a:effectLst/>
+                          <a:latin typeface="Times New Roman" panose="02020603050405020304" pitchFamily="18" charset="0"/>
+                          <a:cs typeface="Times New Roman" panose="02020603050405020304" pitchFamily="18" charset="0"/>
+                        </a:rPr>
+                        <a:t>精算学</a:t>
+                      </a:r>
+                      <a:endParaRPr lang="zh-CN" altLang="en-US" sz="1400" b="0" i="0" u="none" strike="noStrike" dirty="0">
+                        <a:effectLst/>
+                        <a:latin typeface="Times New Roman" panose="02020603050405020304" pitchFamily="18" charset="0"/>
+                        <a:ea typeface="宋体" panose="02010600030101010101" pitchFamily="2" charset="-122"/>
+                        <a:cs typeface="Times New Roman" panose="02020603050405020304" pitchFamily="18" charset="0"/>
+                      </a:endParaRPr>
+                    </a:p>
+                  </a:txBody>
+                  <a:tcPr marL="9525" marR="9525" marT="9525" marB="0" anchor="ctr"/>
+                </a:tc>
+                <a:extLst>
+                  <a:ext uri="{0D108BD9-81ED-4DB2-BD59-A6C34878D82A}">
+                    <a16:rowId xmlns:a16="http://schemas.microsoft.com/office/drawing/2014/main" val="866592550"/>
+                  </a:ext>
+                </a:extLst>
+              </a:tr>
+              <a:tr h="719322">
+                <a:tc>
+                  <a:txBody>
+                    <a:bodyPr/>
+                    <a:lstStyle/>
+                    <a:p>
+                      <a:pPr algn="ctr" fontAlgn="ctr"/>
+                      <a:r>
+                        <a:rPr lang="en-US" altLang="zh-CN" sz="1400" u="none" strike="noStrike" dirty="0">
+                          <a:effectLst/>
+                          <a:latin typeface="Times New Roman" panose="02020603050405020304" pitchFamily="18" charset="0"/>
+                          <a:cs typeface="Times New Roman" panose="02020603050405020304" pitchFamily="18" charset="0"/>
+                        </a:rPr>
+                        <a:t>4</a:t>
+                      </a:r>
+                      <a:endParaRPr lang="en-US" altLang="zh-CN" sz="1400" b="0" i="0" u="none" strike="noStrike" dirty="0">
+                        <a:effectLst/>
+                        <a:latin typeface="Times New Roman" panose="02020603050405020304" pitchFamily="18" charset="0"/>
+                        <a:ea typeface="宋体" panose="02010600030101010101" pitchFamily="2" charset="-122"/>
+                        <a:cs typeface="Times New Roman" panose="02020603050405020304" pitchFamily="18" charset="0"/>
+                      </a:endParaRPr>
+                    </a:p>
+                  </a:txBody>
+                  <a:tcPr marL="9525" marR="9525" marT="9525" marB="0" anchor="ctr"/>
+                </a:tc>
+                <a:tc>
+                  <a:txBody>
+                    <a:bodyPr/>
+                    <a:lstStyle/>
+                    <a:p>
+                      <a:pPr algn="ctr" fontAlgn="ctr"/>
+                      <a:r>
+                        <a:rPr lang="en-US" altLang="zh-CN" sz="1400" u="none" strike="noStrike">
+                          <a:effectLst/>
+                          <a:latin typeface="Times New Roman" panose="02020603050405020304" pitchFamily="18" charset="0"/>
+                          <a:cs typeface="Times New Roman" panose="02020603050405020304" pitchFamily="18" charset="0"/>
+                        </a:rPr>
+                        <a:t>201710931900</a:t>
+                      </a:r>
+                      <a:endParaRPr lang="en-US" altLang="zh-CN" sz="1400" b="0" i="0" u="none" strike="noStrike">
+                        <a:effectLst/>
+                        <a:latin typeface="Times New Roman" panose="02020603050405020304" pitchFamily="18" charset="0"/>
+                        <a:ea typeface="宋体" panose="02010600030101010101" pitchFamily="2" charset="-122"/>
+                        <a:cs typeface="Times New Roman" panose="02020603050405020304" pitchFamily="18" charset="0"/>
+                      </a:endParaRPr>
+                    </a:p>
+                  </a:txBody>
+                  <a:tcPr marL="9525" marR="9525" marT="9525" marB="0" anchor="ctr"/>
+                </a:tc>
+                <a:tc>
+                  <a:txBody>
+                    <a:bodyPr/>
+                    <a:lstStyle/>
+                    <a:p>
+                      <a:pPr algn="ctr" fontAlgn="ctr"/>
+                      <a:r>
+                        <a:rPr lang="zh-CN" altLang="en-US" sz="1400" u="none" strike="noStrike" dirty="0" smtClean="0">
+                          <a:effectLst/>
+                          <a:latin typeface="Times New Roman" panose="02020603050405020304" pitchFamily="18" charset="0"/>
+                          <a:cs typeface="Times New Roman" panose="02020603050405020304" pitchFamily="18" charset="0"/>
+                        </a:rPr>
+                        <a:t>王</a:t>
+                      </a:r>
+                      <a:r>
+                        <a:rPr lang="en-US" altLang="zh-CN" sz="1400" u="none" strike="noStrike" dirty="0" smtClean="0">
+                          <a:effectLst/>
+                          <a:latin typeface="Times New Roman" panose="02020603050405020304" pitchFamily="18" charset="0"/>
+                          <a:cs typeface="Times New Roman" panose="02020603050405020304" pitchFamily="18" charset="0"/>
+                        </a:rPr>
+                        <a:t>*</a:t>
+                      </a:r>
+                      <a:endParaRPr lang="zh-CN" altLang="en-US" sz="1400" b="0" i="0" u="none" strike="noStrike" dirty="0">
+                        <a:effectLst/>
+                        <a:latin typeface="Times New Roman" panose="02020603050405020304" pitchFamily="18" charset="0"/>
+                        <a:ea typeface="宋体" panose="02010600030101010101" pitchFamily="2" charset="-122"/>
+                        <a:cs typeface="Times New Roman" panose="02020603050405020304" pitchFamily="18" charset="0"/>
+                      </a:endParaRPr>
+                    </a:p>
+                  </a:txBody>
+                  <a:tcPr marL="9525" marR="9525" marT="9525" marB="0" anchor="ctr"/>
+                </a:tc>
+                <a:tc>
+                  <a:txBody>
+                    <a:bodyPr/>
+                    <a:lstStyle/>
+                    <a:p>
+                      <a:pPr algn="ctr" fontAlgn="ctr"/>
+                      <a:r>
+                        <a:rPr lang="zh-CN" altLang="en-US" sz="1400" u="none" strike="noStrike" dirty="0">
+                          <a:effectLst/>
+                          <a:latin typeface="Times New Roman" panose="02020603050405020304" pitchFamily="18" charset="0"/>
+                          <a:cs typeface="Times New Roman" panose="02020603050405020304" pitchFamily="18" charset="0"/>
+                        </a:rPr>
+                        <a:t>保险学院</a:t>
+                      </a:r>
+                      <a:endParaRPr lang="zh-CN" altLang="en-US" sz="1400" b="0" i="0" u="none" strike="noStrike" dirty="0">
+                        <a:effectLst/>
+                        <a:latin typeface="Times New Roman" panose="02020603050405020304" pitchFamily="18" charset="0"/>
+                        <a:ea typeface="宋体" panose="02010600030101010101" pitchFamily="2" charset="-122"/>
+                        <a:cs typeface="Times New Roman" panose="02020603050405020304" pitchFamily="18" charset="0"/>
+                      </a:endParaRPr>
+                    </a:p>
+                  </a:txBody>
+                  <a:tcPr marL="9525" marR="9525" marT="9525" marB="0" anchor="ctr"/>
+                </a:tc>
+                <a:tc>
+                  <a:txBody>
+                    <a:bodyPr/>
+                    <a:lstStyle/>
+                    <a:p>
+                      <a:pPr algn="ctr" fontAlgn="ctr"/>
+                      <a:r>
+                        <a:rPr lang="zh-CN" altLang="en-US" sz="1400" u="none" strike="noStrike" dirty="0">
+                          <a:effectLst/>
+                          <a:latin typeface="Times New Roman" panose="02020603050405020304" pitchFamily="18" charset="0"/>
+                          <a:cs typeface="Times New Roman" panose="02020603050405020304" pitchFamily="18" charset="0"/>
+                        </a:rPr>
+                        <a:t>精算学</a:t>
+                      </a:r>
+                      <a:endParaRPr lang="zh-CN" altLang="en-US" sz="1400" b="0" i="0" u="none" strike="noStrike" dirty="0">
+                        <a:effectLst/>
+                        <a:latin typeface="Times New Roman" panose="02020603050405020304" pitchFamily="18" charset="0"/>
+                        <a:ea typeface="宋体" panose="02010600030101010101" pitchFamily="2" charset="-122"/>
+                        <a:cs typeface="Times New Roman" panose="02020603050405020304" pitchFamily="18" charset="0"/>
+                      </a:endParaRPr>
+                    </a:p>
+                  </a:txBody>
+                  <a:tcPr marL="9525" marR="9525" marT="9525" marB="0" anchor="ctr"/>
+                </a:tc>
+                <a:extLst>
+                  <a:ext uri="{0D108BD9-81ED-4DB2-BD59-A6C34878D82A}">
+                    <a16:rowId xmlns:a16="http://schemas.microsoft.com/office/drawing/2014/main" val="1640628677"/>
+                  </a:ext>
+                </a:extLst>
+              </a:tr>
+            </a:tbl>
+          </a:graphicData>
+        </a:graphic>
+      </p:graphicFrame>
     </p:spTree>
     <p:extLst>
       <p:ext uri="{BB962C8B-B14F-4D97-AF65-F5344CB8AC3E}">
@@ -28869,7 +29958,12 @@
             <p:ph type="title"/>
           </p:nvPr>
         </p:nvSpPr>
-        <p:spPr/>
+        <p:spPr>
+          <a:xfrm>
+            <a:off x="214604" y="1095987"/>
+            <a:ext cx="8229600" cy="789140"/>
+          </a:xfrm>
+        </p:spPr>
         <p:txBody>
           <a:bodyPr/>
           <a:lstStyle/>
@@ -28896,7 +29990,12 @@
             <p:ph idx="1"/>
           </p:nvPr>
         </p:nvSpPr>
-        <p:spPr/>
+        <p:spPr>
+          <a:xfrm>
+            <a:off x="503852" y="1885127"/>
+            <a:ext cx="8229600" cy="4382717"/>
+          </a:xfrm>
+        </p:spPr>
         <p:txBody>
           <a:bodyPr/>
           <a:lstStyle/>
@@ -28945,7 +30044,15 @@
               <a:rPr lang="zh-CN" altLang="en-US" dirty="0" smtClean="0"/>
               <a:t>（熟练掌握）</a:t>
             </a:r>
+            <a:endParaRPr lang="en-US" altLang="zh-CN" dirty="0"/>
+          </a:p>
+          <a:p>
+            <a:pPr lvl="1"/>
             <a:endParaRPr lang="en-US" altLang="zh-CN" dirty="0" smtClean="0"/>
+          </a:p>
+          <a:p>
+            <a:pPr lvl="1"/>
+            <a:endParaRPr lang="en-US" altLang="zh-CN" b="1" dirty="0" smtClean="0"/>
           </a:p>
           <a:p>
             <a:pPr lvl="1"/>
